--- a/Unit 1.pptx
+++ b/Unit 1.pptx
@@ -1229,10 +1229,24 @@
         </dgm:presLayoutVars>
       </dgm:prSet>
       <dgm:spPr/>
+      <dgm:t>
+        <a:bodyPr/>
+        <a:lstStyle/>
+        <a:p>
+          <a:endParaRPr lang="en-US"/>
+        </a:p>
+      </dgm:t>
     </dgm:pt>
     <dgm:pt modelId="{393A5FBC-C2BD-45BA-9B67-FEB0D379499F}" type="pres">
       <dgm:prSet presAssocID="{C0EAC771-A4AC-440D-82FD-4BFD1E6BE2A1}" presName="centerShape" presStyleLbl="node0" presStyleIdx="0" presStyleCnt="1"/>
       <dgm:spPr/>
+      <dgm:t>
+        <a:bodyPr/>
+        <a:lstStyle/>
+        <a:p>
+          <a:endParaRPr lang="en-US"/>
+        </a:p>
+      </dgm:t>
     </dgm:pt>
     <dgm:pt modelId="{DEBA457B-587E-4949-8EB1-49ABF5C256ED}" type="pres">
       <dgm:prSet presAssocID="{C06A7764-A1DE-4138-8C89-7682D23C1E2D}" presName="node" presStyleLbl="node1" presStyleIdx="0" presStyleCnt="4">
@@ -1241,6 +1255,13 @@
         </dgm:presLayoutVars>
       </dgm:prSet>
       <dgm:spPr/>
+      <dgm:t>
+        <a:bodyPr/>
+        <a:lstStyle/>
+        <a:p>
+          <a:endParaRPr lang="en-US"/>
+        </a:p>
+      </dgm:t>
     </dgm:pt>
     <dgm:pt modelId="{3C42738D-A1D7-4A1D-81AB-235F8F599386}" type="pres">
       <dgm:prSet presAssocID="{C06A7764-A1DE-4138-8C89-7682D23C1E2D}" presName="dummy" presStyleCnt="0"/>
@@ -1249,6 +1270,13 @@
     <dgm:pt modelId="{022489CE-9017-4560-92A5-D21B97FF2055}" type="pres">
       <dgm:prSet presAssocID="{F6950AAD-15CE-47C2-A965-D05C41B11C51}" presName="sibTrans" presStyleLbl="sibTrans2D1" presStyleIdx="0" presStyleCnt="4"/>
       <dgm:spPr/>
+      <dgm:t>
+        <a:bodyPr/>
+        <a:lstStyle/>
+        <a:p>
+          <a:endParaRPr lang="en-US"/>
+        </a:p>
+      </dgm:t>
     </dgm:pt>
     <dgm:pt modelId="{FFCCE52B-A4B0-4025-8898-295587B33B33}" type="pres">
       <dgm:prSet presAssocID="{C9CA6498-1063-4A01-81D0-12B31FA55F9D}" presName="node" presStyleLbl="node1" presStyleIdx="1" presStyleCnt="4">
@@ -1257,6 +1285,13 @@
         </dgm:presLayoutVars>
       </dgm:prSet>
       <dgm:spPr/>
+      <dgm:t>
+        <a:bodyPr/>
+        <a:lstStyle/>
+        <a:p>
+          <a:endParaRPr lang="en-US"/>
+        </a:p>
+      </dgm:t>
     </dgm:pt>
     <dgm:pt modelId="{E7EA0ED0-3C85-43BE-AC2F-848C176BD8D2}" type="pres">
       <dgm:prSet presAssocID="{C9CA6498-1063-4A01-81D0-12B31FA55F9D}" presName="dummy" presStyleCnt="0"/>
@@ -1265,6 +1300,13 @@
     <dgm:pt modelId="{1D867CF2-9ED5-4481-811F-20E92449AF57}" type="pres">
       <dgm:prSet presAssocID="{B287ED9E-17A7-47C9-A6CB-F9A52D5273C2}" presName="sibTrans" presStyleLbl="sibTrans2D1" presStyleIdx="1" presStyleCnt="4"/>
       <dgm:spPr/>
+      <dgm:t>
+        <a:bodyPr/>
+        <a:lstStyle/>
+        <a:p>
+          <a:endParaRPr lang="en-US"/>
+        </a:p>
+      </dgm:t>
     </dgm:pt>
     <dgm:pt modelId="{586E41BF-7D14-48B4-A15A-A760179715D3}" type="pres">
       <dgm:prSet presAssocID="{51C37417-81F3-43B7-8CDD-A36117764D2C}" presName="node" presStyleLbl="node1" presStyleIdx="2" presStyleCnt="4" custScaleX="136098" custScaleY="84654">
@@ -1273,6 +1315,13 @@
         </dgm:presLayoutVars>
       </dgm:prSet>
       <dgm:spPr/>
+      <dgm:t>
+        <a:bodyPr/>
+        <a:lstStyle/>
+        <a:p>
+          <a:endParaRPr lang="en-US"/>
+        </a:p>
+      </dgm:t>
     </dgm:pt>
     <dgm:pt modelId="{314A4528-10A4-45A8-83C9-B957065A5FE5}" type="pres">
       <dgm:prSet presAssocID="{51C37417-81F3-43B7-8CDD-A36117764D2C}" presName="dummy" presStyleCnt="0"/>
@@ -1281,6 +1330,13 @@
     <dgm:pt modelId="{A31457C6-E5FD-4135-BAE5-2FA130209C2B}" type="pres">
       <dgm:prSet presAssocID="{2406B10E-4736-43DF-8752-115CCAD494B0}" presName="sibTrans" presStyleLbl="sibTrans2D1" presStyleIdx="2" presStyleCnt="4"/>
       <dgm:spPr/>
+      <dgm:t>
+        <a:bodyPr/>
+        <a:lstStyle/>
+        <a:p>
+          <a:endParaRPr lang="en-US"/>
+        </a:p>
+      </dgm:t>
     </dgm:pt>
     <dgm:pt modelId="{92D5CADB-2062-4B19-96AA-8ECEC25AA070}" type="pres">
       <dgm:prSet presAssocID="{5DCCD430-FFE4-4E2B-90CC-30747B41336B}" presName="node" presStyleLbl="node1" presStyleIdx="3" presStyleCnt="4">
@@ -1289,6 +1345,13 @@
         </dgm:presLayoutVars>
       </dgm:prSet>
       <dgm:spPr/>
+      <dgm:t>
+        <a:bodyPr/>
+        <a:lstStyle/>
+        <a:p>
+          <a:endParaRPr lang="en-US"/>
+        </a:p>
+      </dgm:t>
     </dgm:pt>
     <dgm:pt modelId="{DEEEDE64-83F1-4DCA-8F85-4034D3DE7DBC}" type="pres">
       <dgm:prSet presAssocID="{5DCCD430-FFE4-4E2B-90CC-30747B41336B}" presName="dummy" presStyleCnt="0"/>
@@ -1297,24 +1360,31 @@
     <dgm:pt modelId="{5D4D6AE3-8D35-41E1-B720-3F35EEB8519D}" type="pres">
       <dgm:prSet presAssocID="{48C6BEB6-0FCD-461B-85C3-733D2EB868F7}" presName="sibTrans" presStyleLbl="sibTrans2D1" presStyleIdx="3" presStyleCnt="4"/>
       <dgm:spPr/>
+      <dgm:t>
+        <a:bodyPr/>
+        <a:lstStyle/>
+        <a:p>
+          <a:endParaRPr lang="en-US"/>
+        </a:p>
+      </dgm:t>
     </dgm:pt>
   </dgm:ptLst>
   <dgm:cxnLst>
+    <dgm:cxn modelId="{4927728C-4FED-426B-9191-0CBCBA23B1A4}" type="presOf" srcId="{2406B10E-4736-43DF-8752-115CCAD494B0}" destId="{A31457C6-E5FD-4135-BAE5-2FA130209C2B}" srcOrd="0" destOrd="0" presId="urn:microsoft.com/office/officeart/2005/8/layout/radial6"/>
+    <dgm:cxn modelId="{87673382-73FC-4C01-B9B0-8C7BD47C85B3}" srcId="{C0EAC771-A4AC-440D-82FD-4BFD1E6BE2A1}" destId="{51C37417-81F3-43B7-8CDD-A36117764D2C}" srcOrd="2" destOrd="0" parTransId="{A47982C5-9AB4-404A-85B3-C3C4867FE812}" sibTransId="{2406B10E-4736-43DF-8752-115CCAD494B0}"/>
+    <dgm:cxn modelId="{EEB3BB40-397C-4F26-A10C-F6FF9095451D}" type="presOf" srcId="{5DCCD430-FFE4-4E2B-90CC-30747B41336B}" destId="{92D5CADB-2062-4B19-96AA-8ECEC25AA070}" srcOrd="0" destOrd="0" presId="urn:microsoft.com/office/officeart/2005/8/layout/radial6"/>
+    <dgm:cxn modelId="{2861082A-3A6A-4EBF-99C2-5CE826530AB4}" type="presOf" srcId="{C0EAC771-A4AC-440D-82FD-4BFD1E6BE2A1}" destId="{393A5FBC-C2BD-45BA-9B67-FEB0D379499F}" srcOrd="0" destOrd="0" presId="urn:microsoft.com/office/officeart/2005/8/layout/radial6"/>
+    <dgm:cxn modelId="{A8148148-324F-4B8B-82CE-CEBE1C26C6A6}" srcId="{C0EAC771-A4AC-440D-82FD-4BFD1E6BE2A1}" destId="{C06A7764-A1DE-4138-8C89-7682D23C1E2D}" srcOrd="0" destOrd="0" parTransId="{A708FAFC-43A6-4558-93BE-75E0113B2AD1}" sibTransId="{F6950AAD-15CE-47C2-A965-D05C41B11C51}"/>
+    <dgm:cxn modelId="{9381A465-DA56-4203-92DC-410050E49109}" srcId="{C0EAC771-A4AC-440D-82FD-4BFD1E6BE2A1}" destId="{5DCCD430-FFE4-4E2B-90CC-30747B41336B}" srcOrd="3" destOrd="0" parTransId="{EA4251E9-E593-4091-84DA-357029769006}" sibTransId="{48C6BEB6-0FCD-461B-85C3-733D2EB868F7}"/>
+    <dgm:cxn modelId="{420DE284-BA37-4B1C-8D20-D24659E90775}" type="presOf" srcId="{F6950AAD-15CE-47C2-A965-D05C41B11C51}" destId="{022489CE-9017-4560-92A5-D21B97FF2055}" srcOrd="0" destOrd="0" presId="urn:microsoft.com/office/officeart/2005/8/layout/radial6"/>
+    <dgm:cxn modelId="{F2291E2F-9E8B-4378-9DBD-CE642C79209E}" type="presOf" srcId="{C06A7764-A1DE-4138-8C89-7682D23C1E2D}" destId="{DEBA457B-587E-4949-8EB1-49ABF5C256ED}" srcOrd="0" destOrd="0" presId="urn:microsoft.com/office/officeart/2005/8/layout/radial6"/>
+    <dgm:cxn modelId="{C9A039C8-B108-4A5E-96AD-485AA8E3EF3C}" type="presOf" srcId="{48C6BEB6-0FCD-461B-85C3-733D2EB868F7}" destId="{5D4D6AE3-8D35-41E1-B720-3F35EEB8519D}" srcOrd="0" destOrd="0" presId="urn:microsoft.com/office/officeart/2005/8/layout/radial6"/>
+    <dgm:cxn modelId="{08A86B3E-B2DC-472D-B063-7AECA4073EC1}" type="presOf" srcId="{CB379C79-5675-491D-B467-C593BC34FDEF}" destId="{04BC88D0-8093-4BC8-8EC1-230A48F6E0C9}" srcOrd="0" destOrd="0" presId="urn:microsoft.com/office/officeart/2005/8/layout/radial6"/>
     <dgm:cxn modelId="{862C5818-FEFB-4099-BD61-6AC4F1BD084B}" srcId="{C0EAC771-A4AC-440D-82FD-4BFD1E6BE2A1}" destId="{C9CA6498-1063-4A01-81D0-12B31FA55F9D}" srcOrd="1" destOrd="0" parTransId="{E72CE0EE-3656-44FE-9A9F-14AFA7497C21}" sibTransId="{B287ED9E-17A7-47C9-A6CB-F9A52D5273C2}"/>
-    <dgm:cxn modelId="{2861082A-3A6A-4EBF-99C2-5CE826530AB4}" type="presOf" srcId="{C0EAC771-A4AC-440D-82FD-4BFD1E6BE2A1}" destId="{393A5FBC-C2BD-45BA-9B67-FEB0D379499F}" srcOrd="0" destOrd="0" presId="urn:microsoft.com/office/officeart/2005/8/layout/radial6"/>
-    <dgm:cxn modelId="{F2291E2F-9E8B-4378-9DBD-CE642C79209E}" type="presOf" srcId="{C06A7764-A1DE-4138-8C89-7682D23C1E2D}" destId="{DEBA457B-587E-4949-8EB1-49ABF5C256ED}" srcOrd="0" destOrd="0" presId="urn:microsoft.com/office/officeart/2005/8/layout/radial6"/>
-    <dgm:cxn modelId="{08A86B3E-B2DC-472D-B063-7AECA4073EC1}" type="presOf" srcId="{CB379C79-5675-491D-B467-C593BC34FDEF}" destId="{04BC88D0-8093-4BC8-8EC1-230A48F6E0C9}" srcOrd="0" destOrd="0" presId="urn:microsoft.com/office/officeart/2005/8/layout/radial6"/>
+    <dgm:cxn modelId="{F3B02ABF-46E4-4287-AE4D-2532EE092376}" type="presOf" srcId="{B287ED9E-17A7-47C9-A6CB-F9A52D5273C2}" destId="{1D867CF2-9ED5-4481-811F-20E92449AF57}" srcOrd="0" destOrd="0" presId="urn:microsoft.com/office/officeart/2005/8/layout/radial6"/>
     <dgm:cxn modelId="{7677923E-4420-41B8-99C2-9F87B0C4EBA6}" type="presOf" srcId="{51C37417-81F3-43B7-8CDD-A36117764D2C}" destId="{586E41BF-7D14-48B4-A15A-A760179715D3}" srcOrd="0" destOrd="0" presId="urn:microsoft.com/office/officeart/2005/8/layout/radial6"/>
-    <dgm:cxn modelId="{EEB3BB40-397C-4F26-A10C-F6FF9095451D}" type="presOf" srcId="{5DCCD430-FFE4-4E2B-90CC-30747B41336B}" destId="{92D5CADB-2062-4B19-96AA-8ECEC25AA070}" srcOrd="0" destOrd="0" presId="urn:microsoft.com/office/officeart/2005/8/layout/radial6"/>
-    <dgm:cxn modelId="{9381A465-DA56-4203-92DC-410050E49109}" srcId="{C0EAC771-A4AC-440D-82FD-4BFD1E6BE2A1}" destId="{5DCCD430-FFE4-4E2B-90CC-30747B41336B}" srcOrd="3" destOrd="0" parTransId="{EA4251E9-E593-4091-84DA-357029769006}" sibTransId="{48C6BEB6-0FCD-461B-85C3-733D2EB868F7}"/>
-    <dgm:cxn modelId="{A8148148-324F-4B8B-82CE-CEBE1C26C6A6}" srcId="{C0EAC771-A4AC-440D-82FD-4BFD1E6BE2A1}" destId="{C06A7764-A1DE-4138-8C89-7682D23C1E2D}" srcOrd="0" destOrd="0" parTransId="{A708FAFC-43A6-4558-93BE-75E0113B2AD1}" sibTransId="{F6950AAD-15CE-47C2-A965-D05C41B11C51}"/>
-    <dgm:cxn modelId="{87673382-73FC-4C01-B9B0-8C7BD47C85B3}" srcId="{C0EAC771-A4AC-440D-82FD-4BFD1E6BE2A1}" destId="{51C37417-81F3-43B7-8CDD-A36117764D2C}" srcOrd="2" destOrd="0" parTransId="{A47982C5-9AB4-404A-85B3-C3C4867FE812}" sibTransId="{2406B10E-4736-43DF-8752-115CCAD494B0}"/>
-    <dgm:cxn modelId="{420DE284-BA37-4B1C-8D20-D24659E90775}" type="presOf" srcId="{F6950AAD-15CE-47C2-A965-D05C41B11C51}" destId="{022489CE-9017-4560-92A5-D21B97FF2055}" srcOrd="0" destOrd="0" presId="urn:microsoft.com/office/officeart/2005/8/layout/radial6"/>
+    <dgm:cxn modelId="{4D9D59A2-9092-441C-AB6C-EF280D3E28C0}" type="presOf" srcId="{C9CA6498-1063-4A01-81D0-12B31FA55F9D}" destId="{FFCCE52B-A4B0-4025-8898-295587B33B33}" srcOrd="0" destOrd="0" presId="urn:microsoft.com/office/officeart/2005/8/layout/radial6"/>
     <dgm:cxn modelId="{56467C89-11B9-4807-AF93-BF68E0EB0010}" srcId="{CB379C79-5675-491D-B467-C593BC34FDEF}" destId="{C0EAC771-A4AC-440D-82FD-4BFD1E6BE2A1}" srcOrd="0" destOrd="0" parTransId="{B90962FF-455A-42F8-97ED-56AD823384A8}" sibTransId="{24F0402D-453E-434F-B3E2-BFE8AF8D3004}"/>
-    <dgm:cxn modelId="{4927728C-4FED-426B-9191-0CBCBA23B1A4}" type="presOf" srcId="{2406B10E-4736-43DF-8752-115CCAD494B0}" destId="{A31457C6-E5FD-4135-BAE5-2FA130209C2B}" srcOrd="0" destOrd="0" presId="urn:microsoft.com/office/officeart/2005/8/layout/radial6"/>
-    <dgm:cxn modelId="{4D9D59A2-9092-441C-AB6C-EF280D3E28C0}" type="presOf" srcId="{C9CA6498-1063-4A01-81D0-12B31FA55F9D}" destId="{FFCCE52B-A4B0-4025-8898-295587B33B33}" srcOrd="0" destOrd="0" presId="urn:microsoft.com/office/officeart/2005/8/layout/radial6"/>
-    <dgm:cxn modelId="{F3B02ABF-46E4-4287-AE4D-2532EE092376}" type="presOf" srcId="{B287ED9E-17A7-47C9-A6CB-F9A52D5273C2}" destId="{1D867CF2-9ED5-4481-811F-20E92449AF57}" srcOrd="0" destOrd="0" presId="urn:microsoft.com/office/officeart/2005/8/layout/radial6"/>
-    <dgm:cxn modelId="{C9A039C8-B108-4A5E-96AD-485AA8E3EF3C}" type="presOf" srcId="{48C6BEB6-0FCD-461B-85C3-733D2EB868F7}" destId="{5D4D6AE3-8D35-41E1-B720-3F35EEB8519D}" srcOrd="0" destOrd="0" presId="urn:microsoft.com/office/officeart/2005/8/layout/radial6"/>
     <dgm:cxn modelId="{E2ABD9B4-CF79-4CE7-96F2-DF57D74E6CD8}" type="presParOf" srcId="{04BC88D0-8093-4BC8-8EC1-230A48F6E0C9}" destId="{393A5FBC-C2BD-45BA-9B67-FEB0D379499F}" srcOrd="0" destOrd="0" presId="urn:microsoft.com/office/officeart/2005/8/layout/radial6"/>
     <dgm:cxn modelId="{008A3F4D-5AE3-4268-A1A8-6819BCBD1843}" type="presParOf" srcId="{04BC88D0-8093-4BC8-8EC1-230A48F6E0C9}" destId="{DEBA457B-587E-4949-8EB1-49ABF5C256ED}" srcOrd="1" destOrd="0" presId="urn:microsoft.com/office/officeart/2005/8/layout/radial6"/>
     <dgm:cxn modelId="{BD811A3C-CE74-42D8-9D5F-7EB050DD04C0}" type="presParOf" srcId="{04BC88D0-8093-4BC8-8EC1-230A48F6E0C9}" destId="{3C42738D-A1D7-4A1D-81AB-235F8F599386}" srcOrd="2" destOrd="0" presId="urn:microsoft.com/office/officeart/2005/8/layout/radial6"/>
@@ -1586,7 +1656,7 @@
         </a:bodyPr>
         <a:lstStyle/>
         <a:p>
-          <a:pPr marL="0" lvl="0" indent="0" algn="ctr" defTabSz="1377950">
+          <a:pPr lvl="0" algn="ctr" defTabSz="1377950">
             <a:lnSpc>
               <a:spcPct val="90000"/>
             </a:lnSpc>
@@ -1596,7 +1666,6 @@
             <a:spcAft>
               <a:spcPct val="35000"/>
             </a:spcAft>
-            <a:buNone/>
           </a:pPr>
           <a:r>
             <a:rPr lang="en-US" sz="3100" b="1" kern="1200" dirty="0">
@@ -1687,7 +1756,7 @@
         </a:bodyPr>
         <a:lstStyle/>
         <a:p>
-          <a:pPr marL="0" lvl="0" indent="0" algn="ctr" defTabSz="1066800">
+          <a:pPr lvl="0" algn="ctr" defTabSz="1066800">
             <a:lnSpc>
               <a:spcPct val="90000"/>
             </a:lnSpc>
@@ -1697,7 +1766,6 @@
             <a:spcAft>
               <a:spcPct val="35000"/>
             </a:spcAft>
-            <a:buNone/>
           </a:pPr>
           <a:r>
             <a:rPr lang="en-US" sz="2400" b="1" kern="1200" dirty="0">
@@ -1771,7 +1839,7 @@
         </a:bodyPr>
         <a:lstStyle/>
         <a:p>
-          <a:pPr marL="0" lvl="0" indent="0" algn="ctr" defTabSz="1066800">
+          <a:pPr lvl="0" algn="ctr" defTabSz="1066800">
             <a:lnSpc>
               <a:spcPct val="90000"/>
             </a:lnSpc>
@@ -1781,7 +1849,6 @@
             <a:spcAft>
               <a:spcPct val="35000"/>
             </a:spcAft>
-            <a:buNone/>
           </a:pPr>
           <a:r>
             <a:rPr lang="en-US" sz="2400" b="1" kern="1200" dirty="0">
@@ -1855,7 +1922,7 @@
         </a:bodyPr>
         <a:lstStyle/>
         <a:p>
-          <a:pPr marL="0" lvl="0" indent="0" algn="ctr" defTabSz="889000">
+          <a:pPr lvl="0" algn="ctr" defTabSz="889000">
             <a:lnSpc>
               <a:spcPct val="90000"/>
             </a:lnSpc>
@@ -1865,7 +1932,6 @@
             <a:spcAft>
               <a:spcPct val="35000"/>
             </a:spcAft>
-            <a:buNone/>
           </a:pPr>
           <a:r>
             <a:rPr lang="en-US" sz="2000" b="1" kern="1200" dirty="0">
@@ -1939,7 +2005,7 @@
         </a:bodyPr>
         <a:lstStyle/>
         <a:p>
-          <a:pPr marL="0" lvl="0" indent="0" algn="ctr" defTabSz="1066800">
+          <a:pPr lvl="0" algn="ctr" defTabSz="1066800">
             <a:lnSpc>
               <a:spcPct val="90000"/>
             </a:lnSpc>
@@ -1949,7 +2015,6 @@
             <a:spcAft>
               <a:spcPct val="35000"/>
             </a:spcAft>
-            <a:buNone/>
           </a:pPr>
           <a:r>
             <a:rPr lang="en-US" sz="2400" b="1" kern="1200" dirty="0">
@@ -3530,7 +3595,7 @@
               <a:pPr>
                 <a:defRPr/>
               </a:pPr>
-              <a:t>5/23/2019</a:t>
+              <a:t>7/27/2020</a:t>
             </a:fld>
             <a:endParaRPr lang="en-US"/>
           </a:p>
@@ -3768,7 +3833,7 @@
               <a:pPr>
                 <a:defRPr/>
               </a:pPr>
-              <a:t>2019/5/23</a:t>
+              <a:t>2020/7/27</a:t>
             </a:fld>
             <a:endParaRPr lang="en-US" altLang="zh-CN"/>
           </a:p>
@@ -5106,7 +5171,7 @@
           <a:p>
             <a:fld id="{4D9FFFB4-400D-1240-AB24-6F86C96D4DFB}" type="datetimeFigureOut">
               <a:rPr lang="en-US" smtClean="0"/>
-              <a:t>5/23/2019</a:t>
+              <a:t>7/27/2020</a:t>
             </a:fld>
             <a:endParaRPr lang="en-US" dirty="0"/>
           </a:p>
@@ -6176,6 +6241,13 @@
                 <a:hlinkClick r:id="rId2"/>
               </a:rPr>
               <a:t>https://opensource.org/osd</a:t>
+            </a:r>
+            <a:r>
+              <a:rPr lang="en-US" sz="2400" dirty="0">
+                <a:latin typeface="Times New Roman" panose="02020603050405020304" pitchFamily="18" charset="0"/>
+                <a:cs typeface="Times New Roman" panose="02020603050405020304" pitchFamily="18" charset="0"/>
+              </a:rPr>
+              <a:t/>
             </a:r>
             <a:br>
               <a:rPr lang="en-US" sz="2400" dirty="0">
@@ -9920,28 +9992,36 @@
                 <a:cs typeface="Times New Roman" panose="02020603050405020304" pitchFamily="18" charset="0"/>
                 <a:hlinkClick r:id="rId3"/>
               </a:rPr>
-              <a:t>https://qgis.org/en/site/forusers/download.html</a:t>
+              <a:t>https://</a:t>
+            </a:r>
+            <a:r>
+              <a:rPr lang="en-US" sz="2400">
+                <a:latin typeface="Times New Roman" panose="02020603050405020304" pitchFamily="18" charset="0"/>
+                <a:cs typeface="Times New Roman" panose="02020603050405020304" pitchFamily="18" charset="0"/>
+                <a:hlinkClick r:id="rId3"/>
+              </a:rPr>
+              <a:t>qgis.org/en/site/forusers/download.html</a:t>
+            </a:r>
+            <a:r>
+              <a:rPr lang="en-US" sz="2400">
+                <a:latin typeface="Times New Roman" panose="02020603050405020304" pitchFamily="18" charset="0"/>
+                <a:cs typeface="Times New Roman" panose="02020603050405020304" pitchFamily="18" charset="0"/>
+              </a:rPr>
+              <a:t> </a:t>
+            </a:r>
+            <a:r>
+              <a:rPr lang="en-US" sz="2400" smtClean="0">
+                <a:latin typeface="Times New Roman" panose="02020603050405020304" pitchFamily="18" charset="0"/>
+                <a:cs typeface="Times New Roman" panose="02020603050405020304" pitchFamily="18" charset="0"/>
+              </a:rPr>
+              <a:t>(ver 3.14</a:t>
             </a:r>
             <a:r>
               <a:rPr lang="en-US" sz="2400" dirty="0">
                 <a:latin typeface="Times New Roman" panose="02020603050405020304" pitchFamily="18" charset="0"/>
                 <a:cs typeface="Times New Roman" panose="02020603050405020304" pitchFamily="18" charset="0"/>
               </a:rPr>
-              <a:t> (choose </a:t>
-            </a:r>
-            <a:r>
-              <a:rPr lang="en-US" sz="2400" dirty="0" err="1">
-                <a:latin typeface="Times New Roman" panose="02020603050405020304" pitchFamily="18" charset="0"/>
-                <a:cs typeface="Times New Roman" panose="02020603050405020304" pitchFamily="18" charset="0"/>
-              </a:rPr>
-              <a:t>ver</a:t>
-            </a:r>
-            <a:r>
-              <a:rPr lang="en-US" sz="2400" dirty="0">
-                <a:latin typeface="Times New Roman" panose="02020603050405020304" pitchFamily="18" charset="0"/>
-                <a:cs typeface="Times New Roman" panose="02020603050405020304" pitchFamily="18" charset="0"/>
-              </a:rPr>
-              <a:t> 3.4)</a:t>
+              <a:t>)</a:t>
             </a:r>
           </a:p>
           <a:p>
@@ -13733,7 +13813,7 @@
                 <a:hlinkClick r:id="rId2">
                   <a:extLst>
                     <a:ext uri="{A12FA001-AC4F-418D-AE19-62706E023703}">
-                      <ahyp:hlinkClr xmlns:ahyp="http://schemas.microsoft.com/office/drawing/2018/hyperlinkcolor" val="tx"/>
+                      <ahyp:hlinkClr xmlns:ahyp="http://schemas.microsoft.com/office/drawing/2018/hyperlinkcolor" xmlns="" val="tx"/>
                     </a:ext>
                   </a:extLst>
                 </a:hlinkClick>
